--- a/DM15-AI.pptx
+++ b/DM15-AI.pptx
@@ -5,10 +5,10 @@
     <p:sldMasterId id="2147483653" r:id="rId1"/>
   </p:sldMasterIdLst>
   <p:notesMasterIdLst>
-    <p:notesMasterId r:id="rId54"/>
+    <p:notesMasterId r:id="rId55"/>
   </p:notesMasterIdLst>
   <p:handoutMasterIdLst>
-    <p:handoutMasterId r:id="rId55"/>
+    <p:handoutMasterId r:id="rId56"/>
   </p:handoutMasterIdLst>
   <p:sldIdLst>
     <p:sldId id="264" r:id="rId2"/>
@@ -63,6 +63,7 @@
     <p:sldId id="379" r:id="rId51"/>
     <p:sldId id="382" r:id="rId52"/>
     <p:sldId id="318" r:id="rId53"/>
+    <p:sldId id="383" r:id="rId54"/>
   </p:sldIdLst>
   <p:sldSz cx="9144000" cy="6858000" type="screen4x3"/>
   <p:notesSz cx="6648450" cy="9782175"/>
@@ -12031,6 +12032,104 @@
     <p:extLst>
       <p:ext uri="{BB962C8B-B14F-4D97-AF65-F5344CB8AC3E}">
         <p14:creationId xmlns:p14="http://schemas.microsoft.com/office/powerpoint/2010/main" val="651947342"/>
+      </p:ext>
+    </p:extLst>
+  </p:cSld>
+  <p:clrMapOvr>
+    <a:masterClrMapping/>
+  </p:clrMapOvr>
+</p:sld>
+</file>
+
+<file path=ppt/slides/slide53.xml><?xml version="1.0" encoding="utf-8"?>
+<p:sld xmlns:a="http://schemas.openxmlformats.org/drawingml/2006/main" xmlns:r="http://schemas.openxmlformats.org/officeDocument/2006/relationships" xmlns:p="http://schemas.openxmlformats.org/presentationml/2006/main">
+  <p:cSld>
+    <p:spTree>
+      <p:nvGrpSpPr>
+        <p:cNvPr id="1" name=""/>
+        <p:cNvGrpSpPr/>
+        <p:nvPr/>
+      </p:nvGrpSpPr>
+      <p:grpSpPr>
+        <a:xfrm>
+          <a:off x="0" y="0"/>
+          <a:ext cx="0" cy="0"/>
+          <a:chOff x="0" y="0"/>
+          <a:chExt cx="0" cy="0"/>
+        </a:xfrm>
+      </p:grpSpPr>
+      <p:sp>
+        <p:nvSpPr>
+          <p:cNvPr id="2" name="Titre 1">
+            <a:extLst>
+              <a:ext uri="{FF2B5EF4-FFF2-40B4-BE49-F238E27FC236}">
+                <a16:creationId xmlns:a16="http://schemas.microsoft.com/office/drawing/2014/main" id="{9C79E2C0-7D01-939F-442C-F7D8236DD040}"/>
+              </a:ext>
+            </a:extLst>
+          </p:cNvPr>
+          <p:cNvSpPr>
+            <a:spLocks noGrp="1"/>
+          </p:cNvSpPr>
+          <p:nvPr>
+            <p:ph type="title"/>
+          </p:nvPr>
+        </p:nvSpPr>
+        <p:spPr/>
+        <p:txBody>
+          <a:bodyPr/>
+          <a:lstStyle/>
+          <a:p>
+            <a:r>
+              <a:rPr lang="fr-FR" dirty="0"/>
+              <a:t>TP</a:t>
+            </a:r>
+          </a:p>
+        </p:txBody>
+      </p:sp>
+      <p:sp>
+        <p:nvSpPr>
+          <p:cNvPr id="3" name="Espace réservé du contenu 2">
+            <a:extLst>
+              <a:ext uri="{FF2B5EF4-FFF2-40B4-BE49-F238E27FC236}">
+                <a16:creationId xmlns:a16="http://schemas.microsoft.com/office/drawing/2014/main" id="{367447F3-E686-FC81-E348-EDD3F67BD210}"/>
+              </a:ext>
+            </a:extLst>
+          </p:cNvPr>
+          <p:cNvSpPr>
+            <a:spLocks noGrp="1"/>
+          </p:cNvSpPr>
+          <p:nvPr>
+            <p:ph idx="1"/>
+          </p:nvPr>
+        </p:nvSpPr>
+        <p:spPr/>
+        <p:txBody>
+          <a:bodyPr/>
+          <a:lstStyle/>
+          <a:p>
+            <a:r>
+              <a:rPr lang="fr-FR" dirty="0"/>
+              <a:t>Démo ML</a:t>
+            </a:r>
+          </a:p>
+          <a:p>
+            <a:r>
+              <a:rPr lang="fr-FR" dirty="0"/>
+              <a:t>Démo DL</a:t>
+            </a:r>
+          </a:p>
+          <a:p>
+            <a:r>
+              <a:rPr lang="fr-FR"/>
+              <a:t>Démo LLM</a:t>
+            </a:r>
+          </a:p>
+        </p:txBody>
+      </p:sp>
+    </p:spTree>
+    <p:extLst>
+      <p:ext uri="{BB962C8B-B14F-4D97-AF65-F5344CB8AC3E}">
+        <p14:creationId xmlns:p14="http://schemas.microsoft.com/office/powerpoint/2010/main" val="228581245"/>
       </p:ext>
     </p:extLst>
   </p:cSld>
